--- a/PPTs/04 Clean Code.pptx
+++ b/PPTs/04 Clean Code.pptx
@@ -243,7 +243,7 @@
             <a:fld id="{4991502B-FFA8-47B9-B4E5-980CA415BAFF}" type="datetimeFigureOut">
               <a:rPr lang="en-US" smtClean="0"/>
               <a:pPr/>
-              <a:t>7/8/2017</a:t>
+              <a:t>7/9/2017</a:t>
             </a:fld>
             <a:endParaRPr lang="en-US"/>
           </a:p>
@@ -924,7 +924,7 @@
           <a:p>
             <a:r>
               <a:rPr lang="en-US"/>
-              <a:t>© 2016 Ori Calvo</a:t>
+              <a:t>© 2017 Ori Calvo</a:t>
             </a:r>
           </a:p>
         </p:txBody>
@@ -1102,7 +1102,7 @@
           <a:p>
             <a:r>
               <a:rPr lang="en-US"/>
-              <a:t>© 2016 Ori Calvo</a:t>
+              <a:t>© 2017 Ori Calvo</a:t>
             </a:r>
           </a:p>
         </p:txBody>
@@ -1292,7 +1292,7 @@
           <a:p>
             <a:r>
               <a:rPr lang="en-US"/>
-              <a:t>© 2016 Ori Calvo</a:t>
+              <a:t>© 2017 Ori Calvo</a:t>
             </a:r>
           </a:p>
         </p:txBody>
@@ -1540,7 +1540,7 @@
           <a:p>
             <a:r>
               <a:rPr lang="en-US"/>
-              <a:t>© 2016 Ori Calvo</a:t>
+              <a:t>© 2017 Ori Calvo</a:t>
             </a:r>
             <a:endParaRPr lang="en-US" dirty="0"/>
           </a:p>
@@ -1761,6 +1761,45 @@
           </a:p>
         </p:txBody>
       </p:sp>
+      <p:pic>
+        <p:nvPicPr>
+          <p:cNvPr id="9" name="Graphic 8">
+            <a:extLst>
+              <a:ext uri="{FF2B5EF4-FFF2-40B4-BE49-F238E27FC236}">
+                <a16:creationId xmlns:a16="http://schemas.microsoft.com/office/drawing/2014/main" id="{1209C019-2490-4270-A0D8-60F9F5018081}"/>
+              </a:ext>
+            </a:extLst>
+          </p:cNvPr>
+          <p:cNvPicPr>
+            <a:picLocks noChangeAspect="1"/>
+          </p:cNvPicPr>
+          <p:nvPr userDrawn="1"/>
+        </p:nvPicPr>
+        <p:blipFill>
+          <a:blip r:embed="rId2" cstate="print">
+            <a:extLst>
+              <a:ext uri="{28A0092B-C50C-407E-A947-70E740481C1C}">
+                <a14:useLocalDpi xmlns:a14="http://schemas.microsoft.com/office/drawing/2010/main" val="0"/>
+              </a:ext>
+              <a:ext uri="{96DAC541-7B7A-43D3-8B79-37D633B846F1}">
+                <asvg:svgBlip xmlns:asvg="http://schemas.microsoft.com/office/drawing/2016/SVG/main" r:embed="rId3"/>
+              </a:ext>
+            </a:extLst>
+          </a:blip>
+          <a:stretch>
+            <a:fillRect/>
+          </a:stretch>
+        </p:blipFill>
+        <p:spPr>
+          <a:xfrm>
+            <a:off x="35496" y="6471872"/>
+            <a:ext cx="2145059" cy="316851"/>
+          </a:xfrm>
+          <a:prstGeom prst="rect">
+            <a:avLst/>
+          </a:prstGeom>
+        </p:spPr>
+      </p:pic>
     </p:spTree>
   </p:cSld>
   <p:clrMapOvr>
@@ -2122,7 +2161,7 @@
           <a:p>
             <a:r>
               <a:rPr lang="en-US"/>
-              <a:t>© 2016 Ori Calvo</a:t>
+              <a:t>© 2017 Ori Calvo</a:t>
             </a:r>
           </a:p>
         </p:txBody>
@@ -2349,7 +2388,7 @@
           <a:p>
             <a:r>
               <a:rPr lang="en-US"/>
-              <a:t>© 2016 Ori Calvo</a:t>
+              <a:t>© 2017 Ori Calvo</a:t>
             </a:r>
           </a:p>
         </p:txBody>
@@ -2585,7 +2624,7 @@
           <a:p>
             <a:r>
               <a:rPr lang="en-US"/>
-              <a:t>© 2016 Ori Calvo</a:t>
+              <a:t>© 2017 Ori Calvo</a:t>
             </a:r>
           </a:p>
         </p:txBody>
@@ -2756,7 +2795,7 @@
           <a:p>
             <a:r>
               <a:rPr lang="en-US"/>
-              <a:t>© 2016 Ori Calvo</a:t>
+              <a:t>© 2017 Ori Calvo</a:t>
             </a:r>
           </a:p>
         </p:txBody>
@@ -2854,7 +2893,7 @@
           <a:p>
             <a:r>
               <a:rPr lang="en-US"/>
-              <a:t>© 2016 Ori Calvo</a:t>
+              <a:t>© 2017 Ori Calvo</a:t>
             </a:r>
           </a:p>
         </p:txBody>
@@ -2990,7 +3029,7 @@
           <a:p>
             <a:r>
               <a:rPr lang="en-US"/>
-              <a:t>© 2016 Ori Calvo</a:t>
+              <a:t>© 2017 Ori Calvo</a:t>
             </a:r>
           </a:p>
         </p:txBody>
@@ -3546,7 +3585,7 @@
           <a:p>
             <a:r>
               <a:rPr lang="en-US"/>
-              <a:t>© 2016 Ori Calvo</a:t>
+              <a:t>© 2017 Ori Calvo</a:t>
             </a:r>
           </a:p>
         </p:txBody>
@@ -3785,7 +3824,7 @@
           <a:p>
             <a:r>
               <a:rPr lang="en-US"/>
-              <a:t>© 2016 Ori Calvo</a:t>
+              <a:t>© 2017 Ori Calvo</a:t>
             </a:r>
             <a:endParaRPr lang="en-US" dirty="0"/>
           </a:p>
@@ -4440,7 +4479,7 @@
           <a:p>
             <a:r>
               <a:rPr lang="en-US"/>
-              <a:t>© 2016 Ori Calvo</a:t>
+              <a:t>© 2017 Ori Calvo</a:t>
             </a:r>
             <a:endParaRPr lang="en-US" dirty="0"/>
           </a:p>
@@ -4606,7 +4645,7 @@
           <a:p>
             <a:r>
               <a:rPr lang="en-US"/>
-              <a:t>© 2016 Ori Calvo</a:t>
+              <a:t>© 2017 Ori Calvo</a:t>
             </a:r>
             <a:endParaRPr lang="en-US" dirty="0"/>
           </a:p>
@@ -4760,7 +4799,7 @@
           <a:p>
             <a:r>
               <a:rPr lang="en-US"/>
-              <a:t>© 2016 Ori Calvo</a:t>
+              <a:t>© 2017 Ori Calvo</a:t>
             </a:r>
             <a:endParaRPr lang="en-US" dirty="0"/>
           </a:p>
@@ -4937,7 +4976,7 @@
           <a:p>
             <a:r>
               <a:rPr lang="en-US"/>
-              <a:t>© 2016 Ori Calvo</a:t>
+              <a:t>© 2017 Ori Calvo</a:t>
             </a:r>
             <a:endParaRPr lang="en-US" dirty="0"/>
           </a:p>
@@ -5125,7 +5164,7 @@
           <a:p>
             <a:r>
               <a:rPr lang="en-US"/>
-              <a:t>© 2016 Ori Calvo</a:t>
+              <a:t>© 2017 Ori Calvo</a:t>
             </a:r>
             <a:endParaRPr lang="en-US" dirty="0"/>
           </a:p>
@@ -5295,7 +5334,7 @@
           <a:p>
             <a:r>
               <a:rPr lang="en-US"/>
-              <a:t>© 2016 Ori Calvo</a:t>
+              <a:t>© 2017 Ori Calvo</a:t>
             </a:r>
             <a:endParaRPr lang="en-US" dirty="0"/>
           </a:p>
@@ -5456,7 +5495,7 @@
           <a:p>
             <a:r>
               <a:rPr lang="en-US"/>
-              <a:t>© 2016 Ori Calvo</a:t>
+              <a:t>© 2017 Ori Calvo</a:t>
             </a:r>
             <a:endParaRPr lang="en-US" dirty="0"/>
           </a:p>
@@ -5617,7 +5656,7 @@
           <a:p>
             <a:r>
               <a:rPr lang="en-US"/>
-              <a:t>© 2016 Ori Calvo</a:t>
+              <a:t>© 2017 Ori Calvo</a:t>
             </a:r>
             <a:endParaRPr lang="en-US" dirty="0"/>
           </a:p>
@@ -6584,7 +6623,7 @@
           <a:p>
             <a:r>
               <a:rPr lang="en-US"/>
-              <a:t>© 2016 Ori Calvo</a:t>
+              <a:t>© 2017 Ori Calvo</a:t>
             </a:r>
             <a:endParaRPr lang="en-US" dirty="0"/>
           </a:p>
@@ -7145,7 +7184,7 @@
           <a:p>
             <a:r>
               <a:rPr lang="en-US"/>
-              <a:t>© 2016 Ori Calvo</a:t>
+              <a:t>© 2017 Ori Calvo</a:t>
             </a:r>
             <a:endParaRPr lang="en-US" dirty="0"/>
           </a:p>
@@ -7308,7 +7347,7 @@
           <a:p>
             <a:r>
               <a:rPr lang="en-US"/>
-              <a:t>© 2016 Ori Calvo</a:t>
+              <a:t>© 2017 Ori Calvo</a:t>
             </a:r>
             <a:endParaRPr lang="en-US" dirty="0"/>
           </a:p>
@@ -7488,7 +7527,7 @@
           <a:p>
             <a:r>
               <a:rPr lang="en-US"/>
-              <a:t>© 2016 Ori Calvo</a:t>
+              <a:t>© 2017 Ori Calvo</a:t>
             </a:r>
             <a:endParaRPr lang="en-US" dirty="0"/>
           </a:p>
@@ -7760,7 +7799,7 @@
           <a:p>
             <a:r>
               <a:rPr lang="en-US"/>
-              <a:t>© 2016 Ori Calvo</a:t>
+              <a:t>© 2017 Ori Calvo</a:t>
             </a:r>
             <a:endParaRPr lang="en-US" dirty="0"/>
           </a:p>
@@ -7944,7 +7983,7 @@
           <a:p>
             <a:r>
               <a:rPr lang="en-US"/>
-              <a:t>© 2016 Ori Calvo</a:t>
+              <a:t>© 2017 Ori Calvo</a:t>
             </a:r>
             <a:endParaRPr lang="en-US" dirty="0"/>
           </a:p>
@@ -8129,7 +8168,7 @@
           <a:p>
             <a:r>
               <a:rPr lang="en-US"/>
-              <a:t>© 2016 Ori Calvo</a:t>
+              <a:t>© 2017 Ori Calvo</a:t>
             </a:r>
             <a:endParaRPr lang="en-US" dirty="0"/>
           </a:p>
@@ -8296,7 +8335,7 @@
           <a:p>
             <a:r>
               <a:rPr lang="en-US"/>
-              <a:t>© 2016 Ori Calvo</a:t>
+              <a:t>© 2017 Ori Calvo</a:t>
             </a:r>
             <a:endParaRPr lang="en-US" dirty="0"/>
           </a:p>
@@ -8930,7 +8969,7 @@
           <a:p>
             <a:r>
               <a:rPr lang="en-US"/>
-              <a:t>© 2016 Ori Calvo</a:t>
+              <a:t>© 2017 Ori Calvo</a:t>
             </a:r>
             <a:endParaRPr lang="en-US" dirty="0"/>
           </a:p>
@@ -9418,7 +9457,7 @@
           <a:p>
             <a:r>
               <a:rPr lang="en-US"/>
-              <a:t>© 2016 Ori Calvo</a:t>
+              <a:t>© 2017 Ori Calvo</a:t>
             </a:r>
             <a:endParaRPr lang="en-US" dirty="0"/>
           </a:p>
@@ -10184,7 +10223,7 @@
           <a:p>
             <a:r>
               <a:rPr lang="en-US"/>
-              <a:t>© 2016 Ori Calvo</a:t>
+              <a:t>© 2017 Ori Calvo</a:t>
             </a:r>
             <a:endParaRPr lang="en-US" dirty="0"/>
           </a:p>
@@ -10345,7 +10384,7 @@
           <a:p>
             <a:r>
               <a:rPr lang="en-US"/>
-              <a:t>© 2016 Ori Calvo</a:t>
+              <a:t>© 2017 Ori Calvo</a:t>
             </a:r>
             <a:endParaRPr lang="en-US" dirty="0"/>
           </a:p>
@@ -10512,7 +10551,7 @@
           <a:p>
             <a:r>
               <a:rPr lang="en-US"/>
-              <a:t>© 2016 Ori Calvo</a:t>
+              <a:t>© 2017 Ori Calvo</a:t>
             </a:r>
             <a:endParaRPr lang="en-US" dirty="0"/>
           </a:p>
@@ -10698,7 +10737,7 @@
           <a:p>
             <a:r>
               <a:rPr lang="en-US"/>
-              <a:t>© 2016 Ori Calvo</a:t>
+              <a:t>© 2017 Ori Calvo</a:t>
             </a:r>
             <a:endParaRPr lang="en-US" dirty="0"/>
           </a:p>
@@ -10859,7 +10898,7 @@
           <a:p>
             <a:r>
               <a:rPr lang="en-US"/>
-              <a:t>© 2016 Ori Calvo</a:t>
+              <a:t>© 2017 Ori Calvo</a:t>
             </a:r>
             <a:endParaRPr lang="en-US" dirty="0"/>
           </a:p>
@@ -11040,7 +11079,7 @@
           <a:p>
             <a:r>
               <a:rPr lang="en-US"/>
-              <a:t>© 2016 Ori Calvo</a:t>
+              <a:t>© 2017 Ori Calvo</a:t>
             </a:r>
             <a:endParaRPr lang="en-US" dirty="0"/>
           </a:p>
@@ -11209,7 +11248,7 @@
           <a:p>
             <a:r>
               <a:rPr lang="en-US"/>
-              <a:t>© 2016 Ori Calvo</a:t>
+              <a:t>© 2017 Ori Calvo</a:t>
             </a:r>
             <a:endParaRPr lang="en-US" dirty="0"/>
           </a:p>
@@ -11368,7 +11407,7 @@
           <a:p>
             <a:r>
               <a:rPr lang="en-US"/>
-              <a:t>© 2016 Ori Calvo</a:t>
+              <a:t>© 2017 Ori Calvo</a:t>
             </a:r>
             <a:endParaRPr lang="en-US" dirty="0"/>
           </a:p>
@@ -11527,7 +11566,7 @@
           <a:p>
             <a:r>
               <a:rPr lang="en-US"/>
-              <a:t>© 2016 Ori Calvo</a:t>
+              <a:t>© 2017 Ori Calvo</a:t>
             </a:r>
             <a:endParaRPr lang="en-US" dirty="0"/>
           </a:p>
@@ -11683,7 +11722,7 @@
           <a:p>
             <a:r>
               <a:rPr lang="en-US"/>
-              <a:t>© 2016 Ori Calvo</a:t>
+              <a:t>© 2017 Ori Calvo</a:t>
             </a:r>
             <a:endParaRPr lang="en-US" dirty="0"/>
           </a:p>
@@ -11845,7 +11884,7 @@
           <a:p>
             <a:r>
               <a:rPr lang="en-US"/>
-              <a:t>© 2016 Ori Calvo</a:t>
+              <a:t>© 2017 Ori Calvo</a:t>
             </a:r>
             <a:endParaRPr lang="en-US" dirty="0"/>
           </a:p>
@@ -12003,7 +12042,7 @@
           <a:p>
             <a:r>
               <a:rPr lang="en-US"/>
-              <a:t>© 2016 Ori Calvo</a:t>
+              <a:t>© 2017 Ori Calvo</a:t>
             </a:r>
             <a:endParaRPr lang="en-US" dirty="0"/>
           </a:p>
